--- a/教学课件/5.第五课  类.pptx
+++ b/教学课件/5.第五课  类.pptx
@@ -5154,7 +5154,7 @@
         </p:spPr>
         <p:txBody>
           <a:bodyPr>
-            <a:normAutofit fontScale="90000" lnSpcReduction="10000"/>
+            <a:normAutofit fontScale="90000" lnSpcReduction="20000"/>
           </a:bodyPr>
           <a:lstStyle/>
           <a:p>
@@ -5312,6 +5312,24 @@
                 </a:solidFill>
               </a:rPr>
               <a:t>Person  a = new Person();</a:t>
+            </a:r>
+            <a:endParaRPr lang="en-US" altLang="zh-CN" dirty="0" smtClean="0">
+              <a:solidFill>
+                <a:srgbClr val="FF0000"/>
+              </a:solidFill>
+            </a:endParaRPr>
+          </a:p>
+          <a:p>
+            <a:pPr marL="0" indent="0">
+              <a:buNone/>
+            </a:pPr>
+            <a:r>
+              <a:rPr lang="en-US" altLang="zh-CN" dirty="0" smtClean="0">
+                <a:solidFill>
+                  <a:srgbClr val="FF0000"/>
+                </a:solidFill>
+              </a:rPr>
+              <a:t>a.name = “???”;</a:t>
             </a:r>
             <a:endParaRPr lang="en-US" altLang="zh-CN" dirty="0" smtClean="0">
               <a:solidFill>
@@ -7321,7 +7339,13 @@
               <a:rPr lang="zh-CN" altLang="en-US" dirty="0" smtClean="0">
                 <a:sym typeface="+mn-ea"/>
               </a:rPr>
-              <a:t>从代码的角度上讲，代码可能会写两次。</a:t>
+              <a:t>从代码的角度上讲，代码可能会写两次</a:t>
+            </a:r>
+            <a:r>
+              <a:rPr lang="en-US" altLang="zh-CN" dirty="0" smtClean="0">
+                <a:sym typeface="+mn-ea"/>
+              </a:rPr>
+              <a:t>.</a:t>
             </a:r>
             <a:endParaRPr lang="en-US" altLang="zh-CN" dirty="0" smtClean="0"/>
           </a:p>

--- a/教学课件/5.第五课  类.pptx
+++ b/教学课件/5.第五课  类.pptx
@@ -7053,11 +7053,11 @@
           <a:p>
             <a:r>
               <a:rPr lang="zh-CN" altLang="en-US" dirty="0" smtClean="0"/>
-              <a:t>练习</a:t>
+              <a:t>练习 </a:t>
             </a:r>
             <a:r>
               <a:rPr lang="en-US" altLang="zh-CN" dirty="0" smtClean="0"/>
-              <a:t>/</a:t>
+              <a:t>/ </a:t>
             </a:r>
             <a:r>
               <a:rPr lang="zh-CN" altLang="en-US" dirty="0" smtClean="0"/>
@@ -7084,13 +7084,6 @@
           <a:p>
             <a:r>
               <a:rPr lang="zh-CN" altLang="en-US" dirty="0" smtClean="0"/>
-              <a:t>实现一个学生类，要求拥有姓名，性别，班级，个人爱好。</a:t>
-            </a:r>
-            <a:endParaRPr lang="en-US" altLang="zh-CN" dirty="0" smtClean="0"/>
-          </a:p>
-          <a:p>
-            <a:r>
-              <a:rPr lang="zh-CN" altLang="en-US" dirty="0" smtClean="0"/>
               <a:t>实现一个班级类，可以随意添加删除</a:t>
             </a:r>
             <a:r>
@@ -7113,6 +7106,18 @@
               <a:rPr lang="zh-CN" altLang="en-US" dirty="0" smtClean="0"/>
               <a:t>查找学生的个人信息并输出。</a:t>
             </a:r>
+            <a:endParaRPr lang="zh-CN" altLang="en-US" dirty="0" smtClean="0"/>
+          </a:p>
+          <a:p>
+            <a:r>
+              <a:rPr lang="zh-CN" altLang="en-US" dirty="0" smtClean="0">
+                <a:sym typeface="+mn-ea"/>
+              </a:rPr>
+              <a:t>实现一个学生类，要求拥有姓名，性别，班级，个人爱好。</a:t>
+            </a:r>
+            <a:endParaRPr lang="en-US" altLang="zh-CN" dirty="0" smtClean="0"/>
+          </a:p>
+          <a:p>
             <a:endParaRPr lang="en-US" altLang="zh-CN" dirty="0" smtClean="0"/>
           </a:p>
           <a:p>
